--- a/Dokumentation/Kivy Präsi.pptx
+++ b/Dokumentation/Kivy Präsi.pptx
@@ -109,6 +109,11 @@
       </a:defRPr>
     </a:lvl9pPr>
   </p:defaultTextStyle>
+  <p:extLst>
+    <p:ext uri="{EFAFB233-063F-42B5-8137-9DF3F51BA10A}">
+      <p15:sldGuideLst xmlns:p15="http://schemas.microsoft.com/office/powerpoint/2012/main"/>
+    </p:ext>
+  </p:extLst>
 </p:presentation>
 </file>
 
@@ -308,7 +313,7 @@
           <a:p>
             <a:fld id="{7CB1C4D4-46DF-4FB8-BC0D-F89E0846A0C9}" type="datetimeFigureOut">
               <a:rPr lang="LID4096" smtClean="0"/>
-              <a:t>03/12/2024</a:t>
+              <a:t>03/14/2024</a:t>
             </a:fld>
             <a:endParaRPr lang="LID4096"/>
           </a:p>
@@ -529,7 +534,7 @@
           <a:p>
             <a:fld id="{7CB1C4D4-46DF-4FB8-BC0D-F89E0846A0C9}" type="datetimeFigureOut">
               <a:rPr lang="LID4096" smtClean="0"/>
-              <a:t>03/12/2024</a:t>
+              <a:t>03/14/2024</a:t>
             </a:fld>
             <a:endParaRPr lang="LID4096"/>
           </a:p>
@@ -709,7 +714,7 @@
           <a:p>
             <a:fld id="{7CB1C4D4-46DF-4FB8-BC0D-F89E0846A0C9}" type="datetimeFigureOut">
               <a:rPr lang="LID4096" smtClean="0"/>
-              <a:t>03/12/2024</a:t>
+              <a:t>03/14/2024</a:t>
             </a:fld>
             <a:endParaRPr lang="LID4096"/>
           </a:p>
@@ -879,7 +884,7 @@
           <a:p>
             <a:fld id="{7CB1C4D4-46DF-4FB8-BC0D-F89E0846A0C9}" type="datetimeFigureOut">
               <a:rPr lang="LID4096" smtClean="0"/>
-              <a:t>03/12/2024</a:t>
+              <a:t>03/14/2024</a:t>
             </a:fld>
             <a:endParaRPr lang="LID4096"/>
           </a:p>
@@ -1130,7 +1135,7 @@
           <a:p>
             <a:fld id="{7CB1C4D4-46DF-4FB8-BC0D-F89E0846A0C9}" type="datetimeFigureOut">
               <a:rPr lang="LID4096" smtClean="0"/>
-              <a:t>03/12/2024</a:t>
+              <a:t>03/14/2024</a:t>
             </a:fld>
             <a:endParaRPr lang="LID4096"/>
           </a:p>
@@ -1453,7 +1458,7 @@
           <a:p>
             <a:fld id="{7CB1C4D4-46DF-4FB8-BC0D-F89E0846A0C9}" type="datetimeFigureOut">
               <a:rPr lang="LID4096" smtClean="0"/>
-              <a:t>03/12/2024</a:t>
+              <a:t>03/14/2024</a:t>
             </a:fld>
             <a:endParaRPr lang="LID4096"/>
           </a:p>
@@ -1877,7 +1882,7 @@
           <a:p>
             <a:fld id="{7CB1C4D4-46DF-4FB8-BC0D-F89E0846A0C9}" type="datetimeFigureOut">
               <a:rPr lang="LID4096" smtClean="0"/>
-              <a:t>03/12/2024</a:t>
+              <a:t>03/14/2024</a:t>
             </a:fld>
             <a:endParaRPr lang="LID4096"/>
           </a:p>
@@ -1995,7 +2000,7 @@
           <a:p>
             <a:fld id="{7CB1C4D4-46DF-4FB8-BC0D-F89E0846A0C9}" type="datetimeFigureOut">
               <a:rPr lang="LID4096" smtClean="0"/>
-              <a:t>03/12/2024</a:t>
+              <a:t>03/14/2024</a:t>
             </a:fld>
             <a:endParaRPr lang="LID4096"/>
           </a:p>
@@ -2090,7 +2095,7 @@
           <a:p>
             <a:fld id="{7CB1C4D4-46DF-4FB8-BC0D-F89E0846A0C9}" type="datetimeFigureOut">
               <a:rPr lang="LID4096" smtClean="0"/>
-              <a:t>03/12/2024</a:t>
+              <a:t>03/14/2024</a:t>
             </a:fld>
             <a:endParaRPr lang="LID4096"/>
           </a:p>
@@ -2380,7 +2385,7 @@
           <a:p>
             <a:fld id="{7CB1C4D4-46DF-4FB8-BC0D-F89E0846A0C9}" type="datetimeFigureOut">
               <a:rPr lang="LID4096" smtClean="0"/>
-              <a:t>03/12/2024</a:t>
+              <a:t>03/14/2024</a:t>
             </a:fld>
             <a:endParaRPr lang="LID4096"/>
           </a:p>
@@ -2652,7 +2657,7 @@
           <a:p>
             <a:fld id="{7CB1C4D4-46DF-4FB8-BC0D-F89E0846A0C9}" type="datetimeFigureOut">
               <a:rPr lang="LID4096" smtClean="0"/>
-              <a:t>03/12/2024</a:t>
+              <a:t>03/14/2024</a:t>
             </a:fld>
             <a:endParaRPr lang="LID4096"/>
           </a:p>
@@ -2906,7 +2911,7 @@
           <a:p>
             <a:fld id="{7CB1C4D4-46DF-4FB8-BC0D-F89E0846A0C9}" type="datetimeFigureOut">
               <a:rPr lang="LID4096" smtClean="0"/>
-              <a:t>03/12/2024</a:t>
+              <a:t>03/14/2024</a:t>
             </a:fld>
             <a:endParaRPr lang="LID4096"/>
           </a:p>
@@ -3780,36 +3785,6 @@
           </a:prstGeom>
         </p:spPr>
       </p:pic>
-      <p:pic>
-        <p:nvPicPr>
-          <p:cNvPr id="20" name="Grafik 19">
-            <a:extLst>
-              <a:ext uri="{FF2B5EF4-FFF2-40B4-BE49-F238E27FC236}">
-                <a16:creationId xmlns:a16="http://schemas.microsoft.com/office/drawing/2014/main" id="{2E8B53BC-8423-91FD-37AF-448FD1512E39}"/>
-              </a:ext>
-            </a:extLst>
-          </p:cNvPr>
-          <p:cNvPicPr>
-            <a:picLocks noChangeAspect="1"/>
-          </p:cNvPicPr>
-          <p:nvPr/>
-        </p:nvPicPr>
-        <p:blipFill>
-          <a:blip r:embed="rId4"/>
-          <a:stretch>
-            <a:fillRect/>
-          </a:stretch>
-        </p:blipFill>
-        <p:spPr>
-          <a:xfrm>
-            <a:off x="347650" y="3815245"/>
-            <a:ext cx="5597035" cy="2171812"/>
-          </a:xfrm>
-          <a:prstGeom prst="rect">
-            <a:avLst/>
-          </a:prstGeom>
-        </p:spPr>
-      </p:pic>
       <p:sp>
         <p:nvSpPr>
           <p:cNvPr id="21" name="Pfeil: nach rechts 20">
@@ -3858,10 +3833,40 @@
       </p:sp>
       <p:pic>
         <p:nvPicPr>
-          <p:cNvPr id="23" name="Grafik 22">
+          <p:cNvPr id="4" name="Grafik 3">
             <a:extLst>
               <a:ext uri="{FF2B5EF4-FFF2-40B4-BE49-F238E27FC236}">
-                <a16:creationId xmlns:a16="http://schemas.microsoft.com/office/drawing/2014/main" id="{1FE34805-5AE9-4432-FFE0-F63267116B73}"/>
+                <a16:creationId xmlns:a16="http://schemas.microsoft.com/office/drawing/2014/main" id="{6B35B3EC-A4B2-36A5-815E-5A4E934E2AE0}"/>
+              </a:ext>
+            </a:extLst>
+          </p:cNvPr>
+          <p:cNvPicPr>
+            <a:picLocks noChangeAspect="1"/>
+          </p:cNvPicPr>
+          <p:nvPr/>
+        </p:nvPicPr>
+        <p:blipFill>
+          <a:blip r:embed="rId4"/>
+          <a:stretch>
+            <a:fillRect/>
+          </a:stretch>
+        </p:blipFill>
+        <p:spPr>
+          <a:xfrm>
+            <a:off x="266309" y="3671333"/>
+            <a:ext cx="6047781" cy="2400423"/>
+          </a:xfrm>
+          <a:prstGeom prst="rect">
+            <a:avLst/>
+          </a:prstGeom>
+        </p:spPr>
+      </p:pic>
+      <p:pic>
+        <p:nvPicPr>
+          <p:cNvPr id="6" name="Grafik 5">
+            <a:extLst>
+              <a:ext uri="{FF2B5EF4-FFF2-40B4-BE49-F238E27FC236}">
+                <a16:creationId xmlns:a16="http://schemas.microsoft.com/office/drawing/2014/main" id="{76B65BBA-86CB-E8FC-D5C6-1A56D7B97E52}"/>
               </a:ext>
             </a:extLst>
           </p:cNvPr>
@@ -3878,8 +3883,8 @@
         </p:blipFill>
         <p:spPr>
           <a:xfrm>
-            <a:off x="6440944" y="4016183"/>
-            <a:ext cx="5467631" cy="1530429"/>
+            <a:off x="6992383" y="1575725"/>
+            <a:ext cx="4464279" cy="4496031"/>
           </a:xfrm>
           <a:prstGeom prst="rect">
             <a:avLst/>
@@ -3888,10 +3893,10 @@
       </p:pic>
       <p:sp>
         <p:nvSpPr>
-          <p:cNvPr id="24" name="Pfeil: nach rechts 23">
+          <p:cNvPr id="7" name="Pfeil: nach rechts 6">
             <a:extLst>
               <a:ext uri="{FF2B5EF4-FFF2-40B4-BE49-F238E27FC236}">
-                <a16:creationId xmlns:a16="http://schemas.microsoft.com/office/drawing/2014/main" id="{AFDA53C6-C70A-AC99-D361-389226D5648D}"/>
+                <a16:creationId xmlns:a16="http://schemas.microsoft.com/office/drawing/2014/main" id="{C361B1F2-BE62-DA8C-5CA6-3E6D5A93CA4F}"/>
               </a:ext>
             </a:extLst>
           </p:cNvPr>
@@ -3900,8 +3905,8 @@
         </p:nvSpPr>
         <p:spPr>
           <a:xfrm>
-            <a:off x="5976040" y="4372218"/>
-            <a:ext cx="433549" cy="528933"/>
+            <a:off x="6442971" y="4427854"/>
+            <a:ext cx="409903" cy="528933"/>
           </a:xfrm>
           <a:prstGeom prst="rightArrow">
             <a:avLst/>
@@ -3932,42 +3937,12 @@
           </a:p>
         </p:txBody>
       </p:sp>
-      <p:pic>
-        <p:nvPicPr>
-          <p:cNvPr id="26" name="Grafik 25">
+      <p:sp>
+        <p:nvSpPr>
+          <p:cNvPr id="8" name="Pfeil: nach rechts 7">
             <a:extLst>
               <a:ext uri="{FF2B5EF4-FFF2-40B4-BE49-F238E27FC236}">
-                <a16:creationId xmlns:a16="http://schemas.microsoft.com/office/drawing/2014/main" id="{2EDDDBAB-A258-1C62-5325-27E7CB66FE70}"/>
-              </a:ext>
-            </a:extLst>
-          </p:cNvPr>
-          <p:cNvPicPr>
-            <a:picLocks noChangeAspect="1"/>
-          </p:cNvPicPr>
-          <p:nvPr/>
-        </p:nvPicPr>
-        <p:blipFill>
-          <a:blip r:embed="rId6"/>
-          <a:stretch>
-            <a:fillRect/>
-          </a:stretch>
-        </p:blipFill>
-        <p:spPr>
-          <a:xfrm>
-            <a:off x="7270122" y="1024537"/>
-            <a:ext cx="4256187" cy="2572832"/>
-          </a:xfrm>
-          <a:prstGeom prst="rect">
-            <a:avLst/>
-          </a:prstGeom>
-        </p:spPr>
-      </p:pic>
-      <p:sp>
-        <p:nvSpPr>
-          <p:cNvPr id="27" name="Pfeil: nach rechts 26">
-            <a:extLst>
-              <a:ext uri="{FF2B5EF4-FFF2-40B4-BE49-F238E27FC236}">
-                <a16:creationId xmlns:a16="http://schemas.microsoft.com/office/drawing/2014/main" id="{4E26DFDD-ED42-A57C-DB45-DA00CBA4EAB3}"/>
+                <a16:creationId xmlns:a16="http://schemas.microsoft.com/office/drawing/2014/main" id="{F776394C-0B67-8A51-27D6-4AD2C04C40EA}"/>
               </a:ext>
             </a:extLst>
           </p:cNvPr>
@@ -3975,55 +3950,9 @@
           <p:nvPr/>
         </p:nvSpPr>
         <p:spPr>
-          <a:xfrm rot="16949428">
-            <a:off x="8183607" y="3603648"/>
-            <a:ext cx="340728" cy="382916"/>
-          </a:xfrm>
-          <a:prstGeom prst="rightArrow">
-            <a:avLst/>
-          </a:prstGeom>
-        </p:spPr>
-        <p:style>
-          <a:lnRef idx="2">
-            <a:schemeClr val="accent1">
-              <a:shade val="15000"/>
-            </a:schemeClr>
-          </a:lnRef>
-          <a:fillRef idx="1">
-            <a:schemeClr val="accent1"/>
-          </a:fillRef>
-          <a:effectRef idx="0">
-            <a:schemeClr val="accent1"/>
-          </a:effectRef>
-          <a:fontRef idx="minor">
-            <a:schemeClr val="lt1"/>
-          </a:fontRef>
-        </p:style>
-        <p:txBody>
-          <a:bodyPr rtlCol="0" anchor="ctr"/>
-          <a:lstStyle/>
-          <a:p>
-            <a:pPr algn="ctr"/>
-            <a:endParaRPr lang="LID4096"/>
-          </a:p>
-        </p:txBody>
-      </p:sp>
-      <p:sp>
-        <p:nvSpPr>
-          <p:cNvPr id="28" name="Pfeil: nach rechts 27">
-            <a:extLst>
-              <a:ext uri="{FF2B5EF4-FFF2-40B4-BE49-F238E27FC236}">
-                <a16:creationId xmlns:a16="http://schemas.microsoft.com/office/drawing/2014/main" id="{5DEBDBF7-4EF4-8160-0333-41D2C1FECBAB}"/>
-              </a:ext>
-            </a:extLst>
-          </p:cNvPr>
-          <p:cNvSpPr/>
-          <p:nvPr/>
-        </p:nvSpPr>
-        <p:spPr>
           <a:xfrm>
-            <a:off x="11611619" y="2059467"/>
-            <a:ext cx="248189" cy="528933"/>
+            <a:off x="11515788" y="3373800"/>
+            <a:ext cx="409903" cy="528933"/>
           </a:xfrm>
           <a:prstGeom prst="rightArrow">
             <a:avLst/>
@@ -4086,10 +4015,10 @@
       </p:grpSpPr>
       <p:pic>
         <p:nvPicPr>
-          <p:cNvPr id="5" name="Grafik 4">
+          <p:cNvPr id="3" name="Grafik 2">
             <a:extLst>
               <a:ext uri="{FF2B5EF4-FFF2-40B4-BE49-F238E27FC236}">
-                <a16:creationId xmlns:a16="http://schemas.microsoft.com/office/drawing/2014/main" id="{9CE0AAE6-4A6A-ECFC-75CB-4192726D0553}"/>
+                <a16:creationId xmlns:a16="http://schemas.microsoft.com/office/drawing/2014/main" id="{83B87270-B6AB-D3EE-0CB0-F59D57795CD9}"/>
               </a:ext>
             </a:extLst>
           </p:cNvPr>
@@ -4106,8 +4035,8 @@
         </p:blipFill>
         <p:spPr>
           <a:xfrm>
-            <a:off x="862745" y="797423"/>
-            <a:ext cx="3772094" cy="1035103"/>
+            <a:off x="740056" y="294259"/>
+            <a:ext cx="4273770" cy="1066855"/>
           </a:xfrm>
           <a:prstGeom prst="rect">
             <a:avLst/>
@@ -4116,10 +4045,10 @@
       </p:pic>
       <p:sp>
         <p:nvSpPr>
-          <p:cNvPr id="6" name="Pfeil: nach rechts 5">
+          <p:cNvPr id="4" name="Pfeil: nach rechts 3">
             <a:extLst>
               <a:ext uri="{FF2B5EF4-FFF2-40B4-BE49-F238E27FC236}">
-                <a16:creationId xmlns:a16="http://schemas.microsoft.com/office/drawing/2014/main" id="{389EEEC4-93BC-ECD9-57B5-DA71F9C5A4BF}"/>
+                <a16:creationId xmlns:a16="http://schemas.microsoft.com/office/drawing/2014/main" id="{09B3704D-474B-C84E-0085-4F116446C8BD}"/>
               </a:ext>
             </a:extLst>
           </p:cNvPr>
@@ -4128,8 +4057,8 @@
         </p:nvSpPr>
         <p:spPr>
           <a:xfrm>
-            <a:off x="336816" y="1050507"/>
-            <a:ext cx="409804" cy="528933"/>
+            <a:off x="251326" y="563221"/>
+            <a:ext cx="409903" cy="528933"/>
           </a:xfrm>
           <a:prstGeom prst="rightArrow">
             <a:avLst/>
@@ -4162,10 +4091,10 @@
       </p:sp>
       <p:pic>
         <p:nvPicPr>
-          <p:cNvPr id="9" name="Grafik 8">
+          <p:cNvPr id="8" name="Grafik 7">
             <a:extLst>
               <a:ext uri="{FF2B5EF4-FFF2-40B4-BE49-F238E27FC236}">
-                <a16:creationId xmlns:a16="http://schemas.microsoft.com/office/drawing/2014/main" id="{C3C1238A-1A4C-3D89-C616-A3A631FA1841}"/>
+                <a16:creationId xmlns:a16="http://schemas.microsoft.com/office/drawing/2014/main" id="{5C80FC1B-2AAB-2A30-0F6C-3EEC06A93D7D}"/>
               </a:ext>
             </a:extLst>
           </p:cNvPr>
@@ -4182,8 +4111,8 @@
         </p:blipFill>
         <p:spPr>
           <a:xfrm>
-            <a:off x="5037017" y="837771"/>
-            <a:ext cx="4064209" cy="425472"/>
+            <a:off x="456277" y="1761401"/>
+            <a:ext cx="4629388" cy="463574"/>
           </a:xfrm>
           <a:prstGeom prst="rect">
             <a:avLst/>
@@ -4192,10 +4121,10 @@
       </p:pic>
       <p:pic>
         <p:nvPicPr>
-          <p:cNvPr id="11" name="Grafik 10">
+          <p:cNvPr id="13" name="Grafik 12">
             <a:extLst>
               <a:ext uri="{FF2B5EF4-FFF2-40B4-BE49-F238E27FC236}">
-                <a16:creationId xmlns:a16="http://schemas.microsoft.com/office/drawing/2014/main" id="{A30B9276-A169-F1C6-E6D8-EB993F6A49B6}"/>
+                <a16:creationId xmlns:a16="http://schemas.microsoft.com/office/drawing/2014/main" id="{45432539-262A-F372-3C16-736A7E75EE34}"/>
               </a:ext>
             </a:extLst>
           </p:cNvPr>
@@ -4212,8 +4141,8 @@
         </p:blipFill>
         <p:spPr>
           <a:xfrm>
-            <a:off x="7557163" y="1688714"/>
-            <a:ext cx="4330923" cy="1625684"/>
+            <a:off x="5634354" y="811099"/>
+            <a:ext cx="4762745" cy="1835244"/>
           </a:xfrm>
           <a:prstGeom prst="rect">
             <a:avLst/>
@@ -4222,10 +4151,10 @@
       </p:pic>
       <p:sp>
         <p:nvSpPr>
-          <p:cNvPr id="12" name="Pfeil: nach rechts 11">
+          <p:cNvPr id="16" name="Pfeil: nach rechts 15">
             <a:extLst>
               <a:ext uri="{FF2B5EF4-FFF2-40B4-BE49-F238E27FC236}">
-                <a16:creationId xmlns:a16="http://schemas.microsoft.com/office/drawing/2014/main" id="{07E32B9F-5F71-1995-CF38-776B78A9BF8B}"/>
+                <a16:creationId xmlns:a16="http://schemas.microsoft.com/office/drawing/2014/main" id="{EB53DA49-C2BE-1A08-D307-1F184D53D7DE}"/>
               </a:ext>
             </a:extLst>
           </p:cNvPr>
@@ -4233,9 +4162,9 @@
           <p:nvPr/>
         </p:nvSpPr>
         <p:spPr>
-          <a:xfrm rot="2577910">
-            <a:off x="9134094" y="1118712"/>
-            <a:ext cx="409804" cy="528933"/>
+          <a:xfrm>
+            <a:off x="5161781" y="1728721"/>
+            <a:ext cx="409903" cy="528933"/>
           </a:xfrm>
           <a:prstGeom prst="rightArrow">
             <a:avLst/>
@@ -4268,10 +4197,10 @@
       </p:sp>
       <p:pic>
         <p:nvPicPr>
-          <p:cNvPr id="14" name="Grafik 13">
+          <p:cNvPr id="19" name="Grafik 18">
             <a:extLst>
               <a:ext uri="{FF2B5EF4-FFF2-40B4-BE49-F238E27FC236}">
-                <a16:creationId xmlns:a16="http://schemas.microsoft.com/office/drawing/2014/main" id="{744270B9-9C58-3D3E-3FCD-C57AB9B1E542}"/>
+                <a16:creationId xmlns:a16="http://schemas.microsoft.com/office/drawing/2014/main" id="{0DAF6D0C-3913-B084-AD5A-7E2FE52D217C}"/>
               </a:ext>
             </a:extLst>
           </p:cNvPr>
@@ -4288,8 +4217,8 @@
         </p:blipFill>
         <p:spPr>
           <a:xfrm>
-            <a:off x="7620667" y="4279702"/>
-            <a:ext cx="4267419" cy="209561"/>
+            <a:off x="369301" y="2567481"/>
+            <a:ext cx="4305521" cy="196860"/>
           </a:xfrm>
           <a:prstGeom prst="rect">
             <a:avLst/>
@@ -4298,10 +4227,10 @@
       </p:pic>
       <p:sp>
         <p:nvSpPr>
-          <p:cNvPr id="15" name="Pfeil: nach rechts 14">
+          <p:cNvPr id="20" name="Pfeil: nach rechts 19">
             <a:extLst>
               <a:ext uri="{FF2B5EF4-FFF2-40B4-BE49-F238E27FC236}">
-                <a16:creationId xmlns:a16="http://schemas.microsoft.com/office/drawing/2014/main" id="{A62B2303-27FA-ECA6-737E-A91881EA0933}"/>
+                <a16:creationId xmlns:a16="http://schemas.microsoft.com/office/drawing/2014/main" id="{CBC567F3-C9EB-08CE-CC82-D0A57D6235A5}"/>
               </a:ext>
             </a:extLst>
           </p:cNvPr>
@@ -4309,9 +4238,9 @@
           <p:nvPr/>
         </p:nvSpPr>
         <p:spPr>
-          <a:xfrm rot="10800000">
-            <a:off x="7262539" y="4174922"/>
-            <a:ext cx="294624" cy="369770"/>
+          <a:xfrm rot="5400000">
+            <a:off x="1672884" y="2792237"/>
+            <a:ext cx="340311" cy="428720"/>
           </a:xfrm>
           <a:prstGeom prst="rightArrow">
             <a:avLst/>
@@ -4344,10 +4273,10 @@
       </p:sp>
       <p:pic>
         <p:nvPicPr>
-          <p:cNvPr id="17" name="Grafik 16">
+          <p:cNvPr id="22" name="Grafik 21">
             <a:extLst>
               <a:ext uri="{FF2B5EF4-FFF2-40B4-BE49-F238E27FC236}">
-                <a16:creationId xmlns:a16="http://schemas.microsoft.com/office/drawing/2014/main" id="{93C32561-000E-7F8F-0194-596A71AE9C56}"/>
+                <a16:creationId xmlns:a16="http://schemas.microsoft.com/office/drawing/2014/main" id="{B9DC9122-8F87-674C-2A12-A52CD064BA28}"/>
               </a:ext>
             </a:extLst>
           </p:cNvPr>
@@ -4364,8 +4293,8 @@
         </p:blipFill>
         <p:spPr>
           <a:xfrm>
-            <a:off x="420706" y="3797335"/>
-            <a:ext cx="6769448" cy="1466925"/>
+            <a:off x="369301" y="3261767"/>
+            <a:ext cx="6864703" cy="1663786"/>
           </a:xfrm>
           <a:prstGeom prst="rect">
             <a:avLst/>
